--- a/classes/stats2016/Lecture08.pptx
+++ b/classes/stats2016/Lecture08.pptx
@@ -5,7 +5,7 @@
     <p:sldMasterId id="2147483648" r:id="rId1"/>
   </p:sldMasterIdLst>
   <p:notesMasterIdLst>
-    <p:notesMasterId r:id="rId16"/>
+    <p:notesMasterId r:id="rId18"/>
   </p:notesMasterIdLst>
   <p:sldIdLst>
     <p:sldId id="256" r:id="rId2"/>
@@ -22,6 +22,8 @@
     <p:sldId id="269" r:id="rId13"/>
     <p:sldId id="270" r:id="rId14"/>
     <p:sldId id="272" r:id="rId15"/>
+    <p:sldId id="274" r:id="rId16"/>
+    <p:sldId id="275" r:id="rId17"/>
   </p:sldIdLst>
   <p:sldSz cx="9144000" cy="6858000" type="screen4x3"/>
   <p:notesSz cx="6858000" cy="9144000"/>
@@ -222,7 +224,7 @@
             <a:fld id="{57F0045E-6A9C-480D-9DC3-894B83D6DB9F}" type="datetimeFigureOut">
               <a:rPr lang="en-US" smtClean="0"/>
               <a:pPr/>
-              <a:t>2/7/2016</a:t>
+              <a:t>2/9/2016</a:t>
             </a:fld>
             <a:endParaRPr lang="en-US"/>
           </a:p>
@@ -936,7 +938,7 @@
             <a:fld id="{1D8BD707-D9CF-40AE-B4C6-C98DA3205C09}" type="datetimeFigureOut">
               <a:rPr lang="en-US" smtClean="0"/>
               <a:pPr/>
-              <a:t>2/7/2016</a:t>
+              <a:t>2/9/2016</a:t>
             </a:fld>
             <a:endParaRPr lang="en-US"/>
           </a:p>
@@ -1103,7 +1105,7 @@
             <a:fld id="{1D8BD707-D9CF-40AE-B4C6-C98DA3205C09}" type="datetimeFigureOut">
               <a:rPr lang="en-US" smtClean="0"/>
               <a:pPr/>
-              <a:t>2/7/2016</a:t>
+              <a:t>2/9/2016</a:t>
             </a:fld>
             <a:endParaRPr lang="en-US"/>
           </a:p>
@@ -1280,7 +1282,7 @@
             <a:fld id="{1D8BD707-D9CF-40AE-B4C6-C98DA3205C09}" type="datetimeFigureOut">
               <a:rPr lang="en-US" smtClean="0"/>
               <a:pPr/>
-              <a:t>2/7/2016</a:t>
+              <a:t>2/9/2016</a:t>
             </a:fld>
             <a:endParaRPr lang="en-US"/>
           </a:p>
@@ -1447,7 +1449,7 @@
             <a:fld id="{1D8BD707-D9CF-40AE-B4C6-C98DA3205C09}" type="datetimeFigureOut">
               <a:rPr lang="en-US" smtClean="0"/>
               <a:pPr/>
-              <a:t>2/7/2016</a:t>
+              <a:t>2/9/2016</a:t>
             </a:fld>
             <a:endParaRPr lang="en-US"/>
           </a:p>
@@ -1690,7 +1692,7 @@
             <a:fld id="{1D8BD707-D9CF-40AE-B4C6-C98DA3205C09}" type="datetimeFigureOut">
               <a:rPr lang="en-US" smtClean="0"/>
               <a:pPr/>
-              <a:t>2/7/2016</a:t>
+              <a:t>2/9/2016</a:t>
             </a:fld>
             <a:endParaRPr lang="en-US"/>
           </a:p>
@@ -1975,7 +1977,7 @@
             <a:fld id="{1D8BD707-D9CF-40AE-B4C6-C98DA3205C09}" type="datetimeFigureOut">
               <a:rPr lang="en-US" smtClean="0"/>
               <a:pPr/>
-              <a:t>2/7/2016</a:t>
+              <a:t>2/9/2016</a:t>
             </a:fld>
             <a:endParaRPr lang="en-US"/>
           </a:p>
@@ -2394,7 +2396,7 @@
             <a:fld id="{1D8BD707-D9CF-40AE-B4C6-C98DA3205C09}" type="datetimeFigureOut">
               <a:rPr lang="en-US" smtClean="0"/>
               <a:pPr/>
-              <a:t>2/7/2016</a:t>
+              <a:t>2/9/2016</a:t>
             </a:fld>
             <a:endParaRPr lang="en-US"/>
           </a:p>
@@ -2509,7 +2511,7 @@
             <a:fld id="{1D8BD707-D9CF-40AE-B4C6-C98DA3205C09}" type="datetimeFigureOut">
               <a:rPr lang="en-US" smtClean="0"/>
               <a:pPr/>
-              <a:t>2/7/2016</a:t>
+              <a:t>2/9/2016</a:t>
             </a:fld>
             <a:endParaRPr lang="en-US"/>
           </a:p>
@@ -2601,7 +2603,7 @@
             <a:fld id="{1D8BD707-D9CF-40AE-B4C6-C98DA3205C09}" type="datetimeFigureOut">
               <a:rPr lang="en-US" smtClean="0"/>
               <a:pPr/>
-              <a:t>2/7/2016</a:t>
+              <a:t>2/9/2016</a:t>
             </a:fld>
             <a:endParaRPr lang="en-US"/>
           </a:p>
@@ -2875,7 +2877,7 @@
             <a:fld id="{1D8BD707-D9CF-40AE-B4C6-C98DA3205C09}" type="datetimeFigureOut">
               <a:rPr lang="en-US" smtClean="0"/>
               <a:pPr/>
-              <a:t>2/7/2016</a:t>
+              <a:t>2/9/2016</a:t>
             </a:fld>
             <a:endParaRPr lang="en-US"/>
           </a:p>
@@ -3125,7 +3127,7 @@
             <a:fld id="{1D8BD707-D9CF-40AE-B4C6-C98DA3205C09}" type="datetimeFigureOut">
               <a:rPr lang="en-US" smtClean="0"/>
               <a:pPr/>
-              <a:t>2/7/2016</a:t>
+              <a:t>2/9/2016</a:t>
             </a:fld>
             <a:endParaRPr lang="en-US"/>
           </a:p>
@@ -3335,7 +3337,7 @@
             <a:fld id="{1D8BD707-D9CF-40AE-B4C6-C98DA3205C09}" type="datetimeFigureOut">
               <a:rPr lang="en-US" smtClean="0"/>
               <a:pPr/>
-              <a:t>2/7/2016</a:t>
+              <a:t>2/9/2016</a:t>
             </a:fld>
             <a:endParaRPr lang="en-US"/>
           </a:p>
@@ -5169,6 +5171,483 @@
         </p:txBody>
       </p:sp>
     </p:spTree>
+  </p:cSld>
+  <p:clrMapOvr>
+    <a:masterClrMapping/>
+  </p:clrMapOvr>
+</p:sld>
+</file>
+
+<file path=ppt/slides/slide15.xml><?xml version="1.0" encoding="utf-8"?>
+<p:sld xmlns:a="http://schemas.openxmlformats.org/drawingml/2006/main" xmlns:r="http://schemas.openxmlformats.org/officeDocument/2006/relationships" xmlns:p="http://schemas.openxmlformats.org/presentationml/2006/main">
+  <p:cSld>
+    <p:spTree>
+      <p:nvGrpSpPr>
+        <p:cNvPr id="1" name=""/>
+        <p:cNvGrpSpPr/>
+        <p:nvPr/>
+      </p:nvGrpSpPr>
+      <p:grpSpPr>
+        <a:xfrm>
+          <a:off x="0" y="0"/>
+          <a:ext cx="0" cy="0"/>
+          <a:chOff x="0" y="0"/>
+          <a:chExt cx="0" cy="0"/>
+        </a:xfrm>
+      </p:grpSpPr>
+      <p:pic>
+        <p:nvPicPr>
+          <p:cNvPr id="4098" name="Picture 2"/>
+          <p:cNvPicPr>
+            <a:picLocks noChangeAspect="1" noChangeArrowheads="1"/>
+          </p:cNvPicPr>
+          <p:nvPr/>
+        </p:nvPicPr>
+        <p:blipFill>
+          <a:blip r:embed="rId2" cstate="print"/>
+          <a:srcRect/>
+          <a:stretch>
+            <a:fillRect/>
+          </a:stretch>
+        </p:blipFill>
+        <p:spPr bwMode="auto">
+          <a:xfrm>
+            <a:off x="1752600" y="914400"/>
+            <a:ext cx="5410200" cy="4365270"/>
+          </a:xfrm>
+          <a:prstGeom prst="rect">
+            <a:avLst/>
+          </a:prstGeom>
+          <a:noFill/>
+          <a:ln w="9525">
+            <a:noFill/>
+            <a:miter lim="800000"/>
+            <a:headEnd/>
+            <a:tailEnd/>
+          </a:ln>
+        </p:spPr>
+      </p:pic>
+      <p:sp>
+        <p:nvSpPr>
+          <p:cNvPr id="3" name="Rectangle 2"/>
+          <p:cNvSpPr/>
+          <p:nvPr/>
+        </p:nvSpPr>
+        <p:spPr>
+          <a:xfrm>
+            <a:off x="228600" y="194846"/>
+            <a:ext cx="9296400" cy="338554"/>
+          </a:xfrm>
+          <a:prstGeom prst="rect">
+            <a:avLst/>
+          </a:prstGeom>
+        </p:spPr>
+        <p:txBody>
+          <a:bodyPr wrap="square">
+            <a:spAutoFit/>
+          </a:bodyPr>
+          <a:lstStyle/>
+          <a:p>
+            <a:r>
+              <a:rPr lang="en-US" sz="1600" dirty="0" smtClean="0">
+                <a:latin typeface="Arial" pitchFamily="34" charset="0"/>
+                <a:cs typeface="Arial" pitchFamily="34" charset="0"/>
+              </a:rPr>
+              <a:t>In the negative binomial distribution, the variance is always greater than the mean</a:t>
+            </a:r>
+          </a:p>
+        </p:txBody>
+      </p:sp>
+      <p:sp>
+        <p:nvSpPr>
+          <p:cNvPr id="4" name="Rectangle 3"/>
+          <p:cNvSpPr/>
+          <p:nvPr/>
+        </p:nvSpPr>
+        <p:spPr>
+          <a:xfrm>
+            <a:off x="2514600" y="6260068"/>
+            <a:ext cx="5410200" cy="369332"/>
+          </a:xfrm>
+          <a:prstGeom prst="rect">
+            <a:avLst/>
+          </a:prstGeom>
+        </p:spPr>
+        <p:txBody>
+          <a:bodyPr wrap="square">
+            <a:spAutoFit/>
+          </a:bodyPr>
+          <a:lstStyle/>
+          <a:p>
+            <a:r>
+              <a:rPr lang="en-US" dirty="0" smtClean="0"/>
+              <a:t>http://www.johndcook.com/negative_binomial.pdf</a:t>
+            </a:r>
+            <a:endParaRPr lang="en-US" dirty="0"/>
+          </a:p>
+        </p:txBody>
+      </p:sp>
+      <p:sp>
+        <p:nvSpPr>
+          <p:cNvPr id="5" name="TextBox 4"/>
+          <p:cNvSpPr txBox="1"/>
+          <p:nvPr/>
+        </p:nvSpPr>
+        <p:spPr>
+          <a:xfrm>
+            <a:off x="1447800" y="5410200"/>
+            <a:ext cx="6347059" cy="646331"/>
+          </a:xfrm>
+          <a:prstGeom prst="rect">
+            <a:avLst/>
+          </a:prstGeom>
+          <a:noFill/>
+        </p:spPr>
+        <p:txBody>
+          <a:bodyPr wrap="none" rtlCol="0">
+            <a:spAutoFit/>
+          </a:bodyPr>
+          <a:lstStyle/>
+          <a:p>
+            <a:r>
+              <a:rPr lang="en-US" dirty="0" smtClean="0"/>
+              <a:t>So if we are going to use the negative binomial, we have to define</a:t>
+            </a:r>
+          </a:p>
+          <a:p>
+            <a:r>
+              <a:rPr lang="en-US" dirty="0" smtClean="0"/>
+              <a:t>the variance as the mean plus something…</a:t>
+            </a:r>
+            <a:endParaRPr lang="en-US" dirty="0"/>
+          </a:p>
+        </p:txBody>
+      </p:sp>
+    </p:spTree>
+    <p:extLst>
+      <p:ext uri="{BB962C8B-B14F-4D97-AF65-F5344CB8AC3E}">
+        <p14:creationId xmlns:p14="http://schemas.microsoft.com/office/powerpoint/2010/main" val="133774061"/>
+      </p:ext>
+    </p:extLst>
+  </p:cSld>
+  <p:clrMapOvr>
+    <a:masterClrMapping/>
+  </p:clrMapOvr>
+</p:sld>
+</file>
+
+<file path=ppt/slides/slide16.xml><?xml version="1.0" encoding="utf-8"?>
+<p:sld xmlns:a="http://schemas.openxmlformats.org/drawingml/2006/main" xmlns:r="http://schemas.openxmlformats.org/officeDocument/2006/relationships" xmlns:p="http://schemas.openxmlformats.org/presentationml/2006/main">
+  <p:cSld>
+    <p:spTree>
+      <p:nvGrpSpPr>
+        <p:cNvPr id="1" name=""/>
+        <p:cNvGrpSpPr/>
+        <p:nvPr/>
+      </p:nvGrpSpPr>
+      <p:grpSpPr>
+        <a:xfrm>
+          <a:off x="0" y="0"/>
+          <a:ext cx="0" cy="0"/>
+          <a:chOff x="0" y="0"/>
+          <a:chExt cx="0" cy="0"/>
+        </a:xfrm>
+      </p:grpSpPr>
+      <p:pic>
+        <p:nvPicPr>
+          <p:cNvPr id="3" name="Picture 2"/>
+          <p:cNvPicPr>
+            <a:picLocks noChangeAspect="1"/>
+          </p:cNvPicPr>
+          <p:nvPr/>
+        </p:nvPicPr>
+        <p:blipFill>
+          <a:blip r:embed="rId2"/>
+          <a:stretch>
+            <a:fillRect/>
+          </a:stretch>
+        </p:blipFill>
+        <p:spPr>
+          <a:xfrm>
+            <a:off x="228600" y="685800"/>
+            <a:ext cx="8172450" cy="1924050"/>
+          </a:xfrm>
+          <a:prstGeom prst="rect">
+            <a:avLst/>
+          </a:prstGeom>
+        </p:spPr>
+      </p:pic>
+      <p:sp>
+        <p:nvSpPr>
+          <p:cNvPr id="4" name="TextBox 3"/>
+          <p:cNvSpPr txBox="1"/>
+          <p:nvPr/>
+        </p:nvSpPr>
+        <p:spPr>
+          <a:xfrm>
+            <a:off x="304800" y="76200"/>
+            <a:ext cx="8440772" cy="646331"/>
+          </a:xfrm>
+          <a:prstGeom prst="rect">
+            <a:avLst/>
+          </a:prstGeom>
+          <a:noFill/>
+        </p:spPr>
+        <p:txBody>
+          <a:bodyPr wrap="none" rtlCol="0">
+            <a:spAutoFit/>
+          </a:bodyPr>
+          <a:lstStyle/>
+          <a:p>
+            <a:r>
+              <a:rPr lang="en-US" dirty="0" smtClean="0"/>
+              <a:t>In comparing the binomial and the negative binomial, we see that the negative binomial</a:t>
+            </a:r>
+          </a:p>
+          <a:p>
+            <a:r>
+              <a:rPr lang="en-US" dirty="0" smtClean="0"/>
+              <a:t>has a different variance….</a:t>
+            </a:r>
+            <a:endParaRPr lang="en-US" dirty="0"/>
+          </a:p>
+        </p:txBody>
+      </p:sp>
+      <p:pic>
+        <p:nvPicPr>
+          <p:cNvPr id="5" name="Picture 4"/>
+          <p:cNvPicPr>
+            <a:picLocks noChangeAspect="1"/>
+          </p:cNvPicPr>
+          <p:nvPr/>
+        </p:nvPicPr>
+        <p:blipFill>
+          <a:blip r:embed="rId3"/>
+          <a:stretch>
+            <a:fillRect/>
+          </a:stretch>
+        </p:blipFill>
+        <p:spPr>
+          <a:xfrm>
+            <a:off x="4452131" y="2609850"/>
+            <a:ext cx="4082270" cy="4027433"/>
+          </a:xfrm>
+          <a:prstGeom prst="rect">
+            <a:avLst/>
+          </a:prstGeom>
+        </p:spPr>
+      </p:pic>
+      <p:cxnSp>
+        <p:nvCxnSpPr>
+          <p:cNvPr id="7" name="Straight Arrow Connector 6"/>
+          <p:cNvCxnSpPr/>
+          <p:nvPr/>
+        </p:nvCxnSpPr>
+        <p:spPr>
+          <a:xfrm>
+            <a:off x="3733800" y="2971800"/>
+            <a:ext cx="1676400" cy="228600"/>
+          </a:xfrm>
+          <a:prstGeom prst="straightConnector1">
+            <a:avLst/>
+          </a:prstGeom>
+          <a:ln>
+            <a:tailEnd type="triangle"/>
+          </a:ln>
+        </p:spPr>
+        <p:style>
+          <a:lnRef idx="1">
+            <a:schemeClr val="accent1"/>
+          </a:lnRef>
+          <a:fillRef idx="0">
+            <a:schemeClr val="accent1"/>
+          </a:fillRef>
+          <a:effectRef idx="0">
+            <a:schemeClr val="accent1"/>
+          </a:effectRef>
+          <a:fontRef idx="minor">
+            <a:schemeClr val="tx1"/>
+          </a:fontRef>
+        </p:style>
+      </p:cxnSp>
+      <p:sp>
+        <p:nvSpPr>
+          <p:cNvPr id="9" name="TextBox 8"/>
+          <p:cNvSpPr txBox="1"/>
+          <p:nvPr/>
+        </p:nvSpPr>
+        <p:spPr>
+          <a:xfrm>
+            <a:off x="987727" y="2743200"/>
+            <a:ext cx="2746073" cy="523220"/>
+          </a:xfrm>
+          <a:prstGeom prst="rect">
+            <a:avLst/>
+          </a:prstGeom>
+          <a:noFill/>
+        </p:spPr>
+        <p:txBody>
+          <a:bodyPr wrap="none" rtlCol="0">
+            <a:spAutoFit/>
+          </a:bodyPr>
+          <a:lstStyle/>
+          <a:p>
+            <a:r>
+              <a:rPr lang="en-US" sz="1400" dirty="0" err="1" smtClean="0"/>
+              <a:t>Dbinom</a:t>
+            </a:r>
+            <a:r>
+              <a:rPr lang="en-US" sz="1400" dirty="0" smtClean="0"/>
+              <a:t> = flip the fair coin 20 times</a:t>
+            </a:r>
+          </a:p>
+          <a:p>
+            <a:r>
+              <a:rPr lang="en-US" sz="1400" dirty="0" smtClean="0"/>
+              <a:t>and count the heads</a:t>
+            </a:r>
+            <a:endParaRPr lang="en-US" sz="1400" dirty="0"/>
+          </a:p>
+        </p:txBody>
+      </p:sp>
+      <p:cxnSp>
+        <p:nvCxnSpPr>
+          <p:cNvPr id="11" name="Straight Arrow Connector 10"/>
+          <p:cNvCxnSpPr/>
+          <p:nvPr/>
+        </p:nvCxnSpPr>
+        <p:spPr>
+          <a:xfrm flipV="1">
+            <a:off x="3733800" y="3886200"/>
+            <a:ext cx="1295400" cy="228600"/>
+          </a:xfrm>
+          <a:prstGeom prst="straightConnector1">
+            <a:avLst/>
+          </a:prstGeom>
+          <a:ln>
+            <a:tailEnd type="triangle"/>
+          </a:ln>
+        </p:spPr>
+        <p:style>
+          <a:lnRef idx="1">
+            <a:schemeClr val="accent1"/>
+          </a:lnRef>
+          <a:fillRef idx="0">
+            <a:schemeClr val="accent1"/>
+          </a:fillRef>
+          <a:effectRef idx="0">
+            <a:schemeClr val="accent1"/>
+          </a:effectRef>
+          <a:fontRef idx="minor">
+            <a:schemeClr val="tx1"/>
+          </a:fontRef>
+        </p:style>
+      </p:cxnSp>
+      <p:sp>
+        <p:nvSpPr>
+          <p:cNvPr id="12" name="TextBox 11"/>
+          <p:cNvSpPr txBox="1"/>
+          <p:nvPr/>
+        </p:nvSpPr>
+        <p:spPr>
+          <a:xfrm>
+            <a:off x="1447800" y="3733800"/>
+            <a:ext cx="2346861" cy="738664"/>
+          </a:xfrm>
+          <a:prstGeom prst="rect">
+            <a:avLst/>
+          </a:prstGeom>
+          <a:noFill/>
+        </p:spPr>
+        <p:txBody>
+          <a:bodyPr wrap="none" rtlCol="0">
+            <a:spAutoFit/>
+          </a:bodyPr>
+          <a:lstStyle/>
+          <a:p>
+            <a:r>
+              <a:rPr lang="en-US" sz="1400" dirty="0" err="1" smtClean="0">
+                <a:solidFill>
+                  <a:srgbClr val="FF0000"/>
+                </a:solidFill>
+              </a:rPr>
+              <a:t>Dnbinom</a:t>
+            </a:r>
+            <a:r>
+              <a:rPr lang="en-US" sz="1400" dirty="0" smtClean="0">
+                <a:solidFill>
+                  <a:srgbClr val="FF0000"/>
+                </a:solidFill>
+              </a:rPr>
+              <a:t> = flip the coin until </a:t>
+            </a:r>
+          </a:p>
+          <a:p>
+            <a:r>
+              <a:rPr lang="en-US" sz="1400" dirty="0" smtClean="0">
+                <a:solidFill>
+                  <a:srgbClr val="FF0000"/>
+                </a:solidFill>
+              </a:rPr>
+              <a:t>you get 10 tails and count the</a:t>
+            </a:r>
+          </a:p>
+          <a:p>
+            <a:r>
+              <a:rPr lang="en-US" sz="1400" dirty="0" smtClean="0">
+                <a:solidFill>
+                  <a:srgbClr val="FF0000"/>
+                </a:solidFill>
+              </a:rPr>
+              <a:t>heads…</a:t>
+            </a:r>
+            <a:endParaRPr lang="en-US" sz="1400" dirty="0">
+              <a:solidFill>
+                <a:srgbClr val="FF0000"/>
+              </a:solidFill>
+            </a:endParaRPr>
+          </a:p>
+        </p:txBody>
+      </p:sp>
+      <p:sp>
+        <p:nvSpPr>
+          <p:cNvPr id="13" name="Rectangle 12"/>
+          <p:cNvSpPr/>
+          <p:nvPr/>
+        </p:nvSpPr>
+        <p:spPr>
+          <a:xfrm>
+            <a:off x="3200400" y="6627168"/>
+            <a:ext cx="5943600" cy="230832"/>
+          </a:xfrm>
+          <a:prstGeom prst="rect">
+            <a:avLst/>
+          </a:prstGeom>
+        </p:spPr>
+        <p:txBody>
+          <a:bodyPr wrap="square">
+            <a:spAutoFit/>
+          </a:bodyPr>
+          <a:lstStyle/>
+          <a:p>
+            <a:r>
+              <a:rPr lang="en-US" sz="900" dirty="0"/>
+              <a:t>https://</a:t>
+            </a:r>
+            <a:r>
+              <a:rPr lang="en-US" sz="900" dirty="0" smtClean="0"/>
+              <a:t>github.com/afodor/metagenomicsTools/blob/master/src/classExamples/negativeBinomialExamples.txt</a:t>
+            </a:r>
+            <a:endParaRPr lang="en-US" sz="900" dirty="0"/>
+          </a:p>
+        </p:txBody>
+      </p:sp>
+    </p:spTree>
+    <p:extLst>
+      <p:ext uri="{BB962C8B-B14F-4D97-AF65-F5344CB8AC3E}">
+        <p14:creationId xmlns:p14="http://schemas.microsoft.com/office/powerpoint/2010/main" val="2253549517"/>
+      </p:ext>
+    </p:extLst>
   </p:cSld>
   <p:clrMapOvr>
     <a:masterClrMapping/>
